--- a/doc/2021-06_TriXX_OSP.pptx
+++ b/doc/2021-06_TriXX_OSP.pptx
@@ -10579,12 +10579,8 @@
           <a:lstStyle/>
           <a:p>
             <a:r>
-              <a:rPr lang="de-DE"/>
-              <a:t>November </a:t>
-            </a:r>
-            <a:r>
               <a:rPr lang="de-DE" dirty="0"/>
-              <a:t>2020</a:t>
+              <a:t>Juni 2021</a:t>
             </a:r>
           </a:p>
         </p:txBody>
@@ -22500,31 +22496,7 @@
                   <a:srgbClr val="5F6A70"/>
                 </a:solidFill>
               </a:rPr>
-              <a:t>Dresden, Hamburg, </a:t>
-            </a:r>
-            <a:r>
-              <a:rPr lang="de-DE" sz="1400" dirty="0" err="1">
-                <a:solidFill>
-                  <a:srgbClr val="5F6A70"/>
-                </a:solidFill>
-              </a:rPr>
-              <a:t>Burgkunstadt</a:t>
-            </a:r>
-            <a:r>
-              <a:rPr lang="de-DE" sz="1400" dirty="0">
-                <a:solidFill>
-                  <a:srgbClr val="5F6A70"/>
-                </a:solidFill>
-              </a:rPr>
-              <a:t>, Bangkok, Taipeh</a:t>
-            </a:r>
-            <a:r>
-              <a:rPr lang="de-DE" sz="1400">
-                <a:solidFill>
-                  <a:srgbClr val="5F6A70"/>
-                </a:solidFill>
-              </a:rPr>
-              <a:t>, Madrid</a:t>
+              <a:t>Dresden, Hamburg, Burgkunstadt, Bangkok, Taipeh, Madrid</a:t>
             </a:r>
             <a:endParaRPr lang="de-DE" sz="1400" dirty="0"/>
           </a:p>
@@ -22575,7 +22547,7 @@
                   <a:srgbClr val="5F6A70"/>
                 </a:solidFill>
               </a:rPr>
-              <a:t>Ca. 220</a:t>
+              <a:t>Ca. 300</a:t>
             </a:r>
           </a:p>
           <a:p>
@@ -23212,19 +23184,7 @@
               <a:rPr lang="de-DE" dirty="0">
                 <a:latin typeface="+mn-lt"/>
               </a:rPr>
-              <a:t>Einige Konfigurationsparameter können zur Laufzeit angepasst werden, z.</a:t>
-            </a:r>
-            <a:r>
-              <a:rPr lang="de-DE">
-                <a:latin typeface="+mn-lt"/>
-              </a:rPr>
-              <a:t>B. Anzahl </a:t>
-            </a:r>
-            <a:r>
-              <a:rPr lang="de-DE" dirty="0">
-                <a:latin typeface="+mn-lt"/>
-              </a:rPr>
-              <a:t>der Worker-Threads</a:t>
+              <a:t>Einige Konfigurationsparameter können zur Laufzeit angepasst werden, z.B. Anzahl der Worker-Threads</a:t>
             </a:r>
           </a:p>
         </p:txBody>
@@ -23655,7 +23615,23 @@
                 <a:ea typeface="Calibri" charset="0"/>
                 <a:cs typeface="Calibri" charset="0"/>
               </a:rPr>
-              <a:t>Trotz produktiver Nutzbarkeit sind noch weitere Schritte vorgesehen:</a:t>
+              <a:t>Als weitere Schritte im </a:t>
+            </a:r>
+            <a:r>
+              <a:rPr lang="de-DE" b="1">
+                <a:latin typeface="+mn-lt"/>
+                <a:ea typeface="Calibri" charset="0"/>
+                <a:cs typeface="Calibri" charset="0"/>
+              </a:rPr>
+              <a:t>Projekt sind vorgesehen</a:t>
+            </a:r>
+            <a:r>
+              <a:rPr lang="de-DE" b="1" dirty="0">
+                <a:latin typeface="+mn-lt"/>
+                <a:ea typeface="Calibri" charset="0"/>
+                <a:cs typeface="Calibri" charset="0"/>
+              </a:rPr>
+              <a:t>:</a:t>
             </a:r>
           </a:p>
         </p:txBody>
@@ -28221,15 +28197,16 @@
             </a:r>
             <a:r>
               <a:rPr lang="de-DE" dirty="0"/>
-              <a:t> der Demo:	</a:t>
-            </a:r>
-            <a:r>
-              <a:rPr lang="de-DE" dirty="0">
-                <a:hlinkClick r:id="rId2"/>
-              </a:rPr>
-              <a:t>https://bit.ly/31Qq87v</a:t>
-            </a:r>
-            <a:endParaRPr lang="de-DE" dirty="0"/>
+              <a:t> der Demo:	 https://</a:t>
+            </a:r>
+            <a:r>
+              <a:rPr lang="de-DE" dirty="0" err="1"/>
+              <a:t>bit.ly</a:t>
+            </a:r>
+            <a:r>
+              <a:rPr lang="de-DE" dirty="0"/>
+              <a:t>/3isjpJO</a:t>
+            </a:r>
           </a:p>
           <a:p>
             <a:endParaRPr lang="de-DE" dirty="0"/>
@@ -28295,7 +28272,7 @@
               <a:rPr lang="de-DE" dirty="0"/>
             </a:br>
             <a:br>
-              <a:rPr lang="de-DE"/>
+              <a:rPr lang="de-DE" dirty="0"/>
             </a:br>
             <a:br>
               <a:rPr lang="de-DE" sz="2400" dirty="0"/>
@@ -28681,28 +28658,27 @@
       </p:sp>
       <p:pic>
         <p:nvPicPr>
-          <p:cNvPr id="13" name="Bild 12"/>
+          <p:cNvPr id="6" name="Grafik 5" descr="Ein Bild, das Person, Mann, Wand, tragen enthält.&#10;&#10;Automatisch generierte Beschreibung">
+            <a:extLst>
+              <a:ext uri="{FF2B5EF4-FFF2-40B4-BE49-F238E27FC236}">
+                <a16:creationId xmlns:a16="http://schemas.microsoft.com/office/drawing/2014/main" id="{C2F5D963-169B-A645-94D9-AB3EB1259F63}"/>
+              </a:ext>
+            </a:extLst>
+          </p:cNvPr>
           <p:cNvPicPr>
             <a:picLocks noChangeAspect="1"/>
           </p:cNvPicPr>
           <p:nvPr/>
         </p:nvPicPr>
-        <p:blipFill>
-          <a:blip r:embed="rId2">
-            <a:extLst>
-              <a:ext uri="{28A0092B-C50C-407E-A947-70E740481C1C}">
-                <a14:useLocalDpi xmlns:a14="http://schemas.microsoft.com/office/drawing/2010/main" val="0"/>
-              </a:ext>
-            </a:extLst>
-          </a:blip>
-          <a:stretch>
-            <a:fillRect/>
-          </a:stretch>
+        <p:blipFill rotWithShape="1">
+          <a:blip r:embed="rId2"/>
+          <a:srcRect l="9841" t="5457" r="10991"/>
+          <a:stretch/>
         </p:blipFill>
         <p:spPr>
           <a:xfrm>
-            <a:off x="542714" y="1508865"/>
-            <a:ext cx="1957598" cy="2610130"/>
+            <a:off x="542714" y="1508866"/>
+            <a:ext cx="1819140" cy="2431429"/>
           </a:xfrm>
           <a:prstGeom prst="rect">
             <a:avLst/>

--- a/doc/2021-06_TriXX_OSP.pptx
+++ b/doc/2021-06_TriXX_OSP.pptx
@@ -397,7 +397,7 @@
           <a:p>
             <a:fld id="{65198459-C4F2-C045-9966-EFD31D2DED12}" type="datetime1">
               <a:rPr lang="de-DE" smtClean="0"/>
-              <a:t>09.06.21</a:t>
+              <a:t>23.06.21</a:t>
             </a:fld>
             <a:endParaRPr lang="de-DE"/>
           </a:p>
@@ -563,7 +563,7 @@
           <a:p>
             <a:fld id="{DFE97338-3F22-2E45-8586-98FF6A44F26F}" type="datetime1">
               <a:rPr lang="de-DE" smtClean="0"/>
-              <a:t>09.06.21</a:t>
+              <a:t>23.06.21</a:t>
             </a:fld>
             <a:endParaRPr lang="de-DE"/>
           </a:p>
@@ -28197,16 +28197,15 @@
             </a:r>
             <a:r>
               <a:rPr lang="de-DE" dirty="0"/>
-              <a:t> der Demo:	 https://</a:t>
-            </a:r>
-            <a:r>
-              <a:rPr lang="de-DE" dirty="0" err="1"/>
-              <a:t>bit.ly</a:t>
-            </a:r>
-            <a:r>
-              <a:rPr lang="de-DE" dirty="0"/>
-              <a:t>/3isjpJO</a:t>
-            </a:r>
+              <a:t> der Demo:	 </a:t>
+            </a:r>
+            <a:r>
+              <a:rPr lang="de-DE" dirty="0">
+                <a:hlinkClick r:id="rId2"/>
+              </a:rPr>
+              <a:t>https://bit.ly/3isjpJO</a:t>
+            </a:r>
+            <a:endParaRPr lang="de-DE" dirty="0"/>
           </a:p>
           <a:p>
             <a:endParaRPr lang="de-DE" dirty="0"/>
